--- a/Artefatos/08. Análise das Causas Raízes.pptx
+++ b/Artefatos/08. Análise das Causas Raízes.pptx
@@ -168,10 +168,9 @@
           </a:lstStyle>
           <a:p>
             <a:r>
-              <a:rPr lang="pt-BR" smtClean="0"/>
+              <a:rPr lang="pt-BR"/>
               <a:t>Análise das Causas Raizes </a:t>
             </a:r>
-            <a:endParaRPr lang="pt-BR"/>
           </a:p>
         </p:txBody>
       </p:sp>
@@ -204,7 +203,7 @@
           <a:p>
             <a:fld id="{1E787215-59FC-439C-AFA3-EE4C4E5079EA}" type="datetimeFigureOut">
               <a:rPr lang="pt-BR" smtClean="0"/>
-              <a:t>30/10/2019</a:t>
+              <a:t>12/11/2019</a:t>
             </a:fld>
             <a:endParaRPr lang="pt-BR"/>
           </a:p>
@@ -338,10 +337,9 @@
           </a:lstStyle>
           <a:p>
             <a:r>
-              <a:rPr lang="pt-BR" smtClean="0"/>
+              <a:rPr lang="pt-BR"/>
               <a:t>Análise das Causas Raizes </a:t>
             </a:r>
-            <a:endParaRPr lang="pt-BR"/>
           </a:p>
         </p:txBody>
       </p:sp>
@@ -374,7 +372,7 @@
           <a:p>
             <a:fld id="{EA848AF2-0F4D-4550-82ED-95ADA91FCEB1}" type="datetimeFigureOut">
               <a:rPr lang="pt-BR" smtClean="0"/>
-              <a:t>30/10/2019</a:t>
+              <a:t>12/11/2019</a:t>
             </a:fld>
             <a:endParaRPr lang="pt-BR"/>
           </a:p>
@@ -438,38 +436,37 @@
           <a:p>
             <a:pPr lvl="0"/>
             <a:r>
-              <a:rPr lang="pt-BR" smtClean="0"/>
+              <a:rPr lang="pt-BR"/>
               <a:t>Clique para editar o texto mestre</a:t>
             </a:r>
           </a:p>
           <a:p>
             <a:pPr lvl="1"/>
             <a:r>
-              <a:rPr lang="pt-BR" smtClean="0"/>
+              <a:rPr lang="pt-BR"/>
               <a:t>Segundo nível</a:t>
             </a:r>
           </a:p>
           <a:p>
             <a:pPr lvl="2"/>
             <a:r>
-              <a:rPr lang="pt-BR" smtClean="0"/>
+              <a:rPr lang="pt-BR"/>
               <a:t>Terceiro nível</a:t>
             </a:r>
           </a:p>
           <a:p>
             <a:pPr lvl="3"/>
             <a:r>
-              <a:rPr lang="pt-BR" smtClean="0"/>
+              <a:rPr lang="pt-BR"/>
               <a:t>Quarto nível</a:t>
             </a:r>
           </a:p>
           <a:p>
             <a:pPr lvl="4"/>
             <a:r>
-              <a:rPr lang="pt-BR" smtClean="0"/>
+              <a:rPr lang="pt-BR"/>
               <a:t>Quinto nível</a:t>
             </a:r>
-            <a:endParaRPr lang="pt-BR"/>
           </a:p>
         </p:txBody>
       </p:sp>
@@ -746,10 +743,9 @@
           </a:lstStyle>
           <a:p>
             <a:r>
-              <a:rPr lang="pt-BR" smtClean="0"/>
+              <a:rPr lang="pt-BR"/>
               <a:t>Clique para editar o título mestre</a:t>
             </a:r>
-            <a:endParaRPr lang="pt-BR"/>
           </a:p>
         </p:txBody>
       </p:sp>
@@ -811,10 +807,9 @@
           </a:lstStyle>
           <a:p>
             <a:r>
-              <a:rPr lang="pt-BR" smtClean="0"/>
+              <a:rPr lang="pt-BR"/>
               <a:t>Clique para editar o estilo do subtítulo mestre</a:t>
             </a:r>
-            <a:endParaRPr lang="pt-BR"/>
           </a:p>
         </p:txBody>
       </p:sp>
@@ -835,7 +830,7 @@
           <a:p>
             <a:fld id="{A391F19D-0237-4420-9323-C2C60FF3DE5D}" type="datetimeFigureOut">
               <a:rPr lang="pt-BR" smtClean="0"/>
-              <a:t>30/10/2019</a:t>
+              <a:t>12/11/2019</a:t>
             </a:fld>
             <a:endParaRPr lang="pt-BR"/>
           </a:p>
@@ -929,10 +924,9 @@
           <a:lstStyle/>
           <a:p>
             <a:r>
-              <a:rPr lang="pt-BR" smtClean="0"/>
+              <a:rPr lang="pt-BR"/>
               <a:t>Clique para editar o título mestre</a:t>
             </a:r>
-            <a:endParaRPr lang="pt-BR"/>
           </a:p>
         </p:txBody>
       </p:sp>
@@ -953,38 +947,37 @@
           <a:p>
             <a:pPr lvl="0"/>
             <a:r>
-              <a:rPr lang="pt-BR" smtClean="0"/>
+              <a:rPr lang="pt-BR"/>
               <a:t>Clique para editar o texto mestre</a:t>
             </a:r>
           </a:p>
           <a:p>
             <a:pPr lvl="1"/>
             <a:r>
-              <a:rPr lang="pt-BR" smtClean="0"/>
+              <a:rPr lang="pt-BR"/>
               <a:t>Segundo nível</a:t>
             </a:r>
           </a:p>
           <a:p>
             <a:pPr lvl="2"/>
             <a:r>
-              <a:rPr lang="pt-BR" smtClean="0"/>
+              <a:rPr lang="pt-BR"/>
               <a:t>Terceiro nível</a:t>
             </a:r>
           </a:p>
           <a:p>
             <a:pPr lvl="3"/>
             <a:r>
-              <a:rPr lang="pt-BR" smtClean="0"/>
+              <a:rPr lang="pt-BR"/>
               <a:t>Quarto nível</a:t>
             </a:r>
           </a:p>
           <a:p>
             <a:pPr lvl="4"/>
             <a:r>
-              <a:rPr lang="pt-BR" smtClean="0"/>
+              <a:rPr lang="pt-BR"/>
               <a:t>Quinto nível</a:t>
             </a:r>
-            <a:endParaRPr lang="pt-BR"/>
           </a:p>
         </p:txBody>
       </p:sp>
@@ -1005,7 +998,7 @@
           <a:p>
             <a:fld id="{A391F19D-0237-4420-9323-C2C60FF3DE5D}" type="datetimeFigureOut">
               <a:rPr lang="pt-BR" smtClean="0"/>
-              <a:t>30/10/2019</a:t>
+              <a:t>12/11/2019</a:t>
             </a:fld>
             <a:endParaRPr lang="pt-BR"/>
           </a:p>
@@ -1104,10 +1097,9 @@
           <a:lstStyle/>
           <a:p>
             <a:r>
-              <a:rPr lang="pt-BR" smtClean="0"/>
+              <a:rPr lang="pt-BR"/>
               <a:t>Clique para editar o título mestre</a:t>
             </a:r>
-            <a:endParaRPr lang="pt-BR"/>
           </a:p>
         </p:txBody>
       </p:sp>
@@ -1133,38 +1125,37 @@
           <a:p>
             <a:pPr lvl="0"/>
             <a:r>
-              <a:rPr lang="pt-BR" smtClean="0"/>
+              <a:rPr lang="pt-BR"/>
               <a:t>Clique para editar o texto mestre</a:t>
             </a:r>
           </a:p>
           <a:p>
             <a:pPr lvl="1"/>
             <a:r>
-              <a:rPr lang="pt-BR" smtClean="0"/>
+              <a:rPr lang="pt-BR"/>
               <a:t>Segundo nível</a:t>
             </a:r>
           </a:p>
           <a:p>
             <a:pPr lvl="2"/>
             <a:r>
-              <a:rPr lang="pt-BR" smtClean="0"/>
+              <a:rPr lang="pt-BR"/>
               <a:t>Terceiro nível</a:t>
             </a:r>
           </a:p>
           <a:p>
             <a:pPr lvl="3"/>
             <a:r>
-              <a:rPr lang="pt-BR" smtClean="0"/>
+              <a:rPr lang="pt-BR"/>
               <a:t>Quarto nível</a:t>
             </a:r>
           </a:p>
           <a:p>
             <a:pPr lvl="4"/>
             <a:r>
-              <a:rPr lang="pt-BR" smtClean="0"/>
+              <a:rPr lang="pt-BR"/>
               <a:t>Quinto nível</a:t>
             </a:r>
-            <a:endParaRPr lang="pt-BR"/>
           </a:p>
         </p:txBody>
       </p:sp>
@@ -1185,7 +1176,7 @@
           <a:p>
             <a:fld id="{A391F19D-0237-4420-9323-C2C60FF3DE5D}" type="datetimeFigureOut">
               <a:rPr lang="pt-BR" smtClean="0"/>
-              <a:t>30/10/2019</a:t>
+              <a:t>12/11/2019</a:t>
             </a:fld>
             <a:endParaRPr lang="pt-BR"/>
           </a:p>
@@ -1279,10 +1270,9 @@
           <a:lstStyle/>
           <a:p>
             <a:r>
-              <a:rPr lang="pt-BR" smtClean="0"/>
+              <a:rPr lang="pt-BR"/>
               <a:t>Clique para editar o título mestre</a:t>
             </a:r>
-            <a:endParaRPr lang="pt-BR"/>
           </a:p>
         </p:txBody>
       </p:sp>
@@ -1303,38 +1293,37 @@
           <a:p>
             <a:pPr lvl="0"/>
             <a:r>
-              <a:rPr lang="pt-BR" smtClean="0"/>
+              <a:rPr lang="pt-BR"/>
               <a:t>Clique para editar o texto mestre</a:t>
             </a:r>
           </a:p>
           <a:p>
             <a:pPr lvl="1"/>
             <a:r>
-              <a:rPr lang="pt-BR" smtClean="0"/>
+              <a:rPr lang="pt-BR"/>
               <a:t>Segundo nível</a:t>
             </a:r>
           </a:p>
           <a:p>
             <a:pPr lvl="2"/>
             <a:r>
-              <a:rPr lang="pt-BR" smtClean="0"/>
+              <a:rPr lang="pt-BR"/>
               <a:t>Terceiro nível</a:t>
             </a:r>
           </a:p>
           <a:p>
             <a:pPr lvl="3"/>
             <a:r>
-              <a:rPr lang="pt-BR" smtClean="0"/>
+              <a:rPr lang="pt-BR"/>
               <a:t>Quarto nível</a:t>
             </a:r>
           </a:p>
           <a:p>
             <a:pPr lvl="4"/>
             <a:r>
-              <a:rPr lang="pt-BR" smtClean="0"/>
+              <a:rPr lang="pt-BR"/>
               <a:t>Quinto nível</a:t>
             </a:r>
-            <a:endParaRPr lang="pt-BR"/>
           </a:p>
         </p:txBody>
       </p:sp>
@@ -1355,7 +1344,7 @@
           <a:p>
             <a:fld id="{A391F19D-0237-4420-9323-C2C60FF3DE5D}" type="datetimeFigureOut">
               <a:rPr lang="pt-BR" smtClean="0"/>
-              <a:t>30/10/2019</a:t>
+              <a:t>12/11/2019</a:t>
             </a:fld>
             <a:endParaRPr lang="pt-BR"/>
           </a:p>
@@ -1458,10 +1447,9 @@
           </a:lstStyle>
           <a:p>
             <a:r>
-              <a:rPr lang="pt-BR" smtClean="0"/>
+              <a:rPr lang="pt-BR"/>
               <a:t>Clique para editar o título mestre</a:t>
             </a:r>
-            <a:endParaRPr lang="pt-BR"/>
           </a:p>
         </p:txBody>
       </p:sp>
@@ -1578,7 +1566,7 @@
           <a:p>
             <a:pPr lvl="0"/>
             <a:r>
-              <a:rPr lang="pt-BR" smtClean="0"/>
+              <a:rPr lang="pt-BR"/>
               <a:t>Clique para editar o texto mestre</a:t>
             </a:r>
           </a:p>
@@ -1601,7 +1589,7 @@
           <a:p>
             <a:fld id="{A391F19D-0237-4420-9323-C2C60FF3DE5D}" type="datetimeFigureOut">
               <a:rPr lang="pt-BR" smtClean="0"/>
-              <a:t>30/10/2019</a:t>
+              <a:t>12/11/2019</a:t>
             </a:fld>
             <a:endParaRPr lang="pt-BR"/>
           </a:p>
@@ -1695,10 +1683,9 @@
           <a:lstStyle/>
           <a:p>
             <a:r>
-              <a:rPr lang="pt-BR" smtClean="0"/>
+              <a:rPr lang="pt-BR"/>
               <a:t>Clique para editar o título mestre</a:t>
             </a:r>
-            <a:endParaRPr lang="pt-BR"/>
           </a:p>
         </p:txBody>
       </p:sp>
@@ -1724,38 +1711,37 @@
           <a:p>
             <a:pPr lvl="0"/>
             <a:r>
-              <a:rPr lang="pt-BR" smtClean="0"/>
+              <a:rPr lang="pt-BR"/>
               <a:t>Clique para editar o texto mestre</a:t>
             </a:r>
           </a:p>
           <a:p>
             <a:pPr lvl="1"/>
             <a:r>
-              <a:rPr lang="pt-BR" smtClean="0"/>
+              <a:rPr lang="pt-BR"/>
               <a:t>Segundo nível</a:t>
             </a:r>
           </a:p>
           <a:p>
             <a:pPr lvl="2"/>
             <a:r>
-              <a:rPr lang="pt-BR" smtClean="0"/>
+              <a:rPr lang="pt-BR"/>
               <a:t>Terceiro nível</a:t>
             </a:r>
           </a:p>
           <a:p>
             <a:pPr lvl="3"/>
             <a:r>
-              <a:rPr lang="pt-BR" smtClean="0"/>
+              <a:rPr lang="pt-BR"/>
               <a:t>Quarto nível</a:t>
             </a:r>
           </a:p>
           <a:p>
             <a:pPr lvl="4"/>
             <a:r>
-              <a:rPr lang="pt-BR" smtClean="0"/>
+              <a:rPr lang="pt-BR"/>
               <a:t>Quinto nível</a:t>
             </a:r>
-            <a:endParaRPr lang="pt-BR"/>
           </a:p>
         </p:txBody>
       </p:sp>
@@ -1781,38 +1767,37 @@
           <a:p>
             <a:pPr lvl="0"/>
             <a:r>
-              <a:rPr lang="pt-BR" smtClean="0"/>
+              <a:rPr lang="pt-BR"/>
               <a:t>Clique para editar o texto mestre</a:t>
             </a:r>
           </a:p>
           <a:p>
             <a:pPr lvl="1"/>
             <a:r>
-              <a:rPr lang="pt-BR" smtClean="0"/>
+              <a:rPr lang="pt-BR"/>
               <a:t>Segundo nível</a:t>
             </a:r>
           </a:p>
           <a:p>
             <a:pPr lvl="2"/>
             <a:r>
-              <a:rPr lang="pt-BR" smtClean="0"/>
+              <a:rPr lang="pt-BR"/>
               <a:t>Terceiro nível</a:t>
             </a:r>
           </a:p>
           <a:p>
             <a:pPr lvl="3"/>
             <a:r>
-              <a:rPr lang="pt-BR" smtClean="0"/>
+              <a:rPr lang="pt-BR"/>
               <a:t>Quarto nível</a:t>
             </a:r>
           </a:p>
           <a:p>
             <a:pPr lvl="4"/>
             <a:r>
-              <a:rPr lang="pt-BR" smtClean="0"/>
+              <a:rPr lang="pt-BR"/>
               <a:t>Quinto nível</a:t>
             </a:r>
-            <a:endParaRPr lang="pt-BR"/>
           </a:p>
         </p:txBody>
       </p:sp>
@@ -1833,7 +1818,7 @@
           <a:p>
             <a:fld id="{A391F19D-0237-4420-9323-C2C60FF3DE5D}" type="datetimeFigureOut">
               <a:rPr lang="pt-BR" smtClean="0"/>
-              <a:t>30/10/2019</a:t>
+              <a:t>12/11/2019</a:t>
             </a:fld>
             <a:endParaRPr lang="pt-BR"/>
           </a:p>
@@ -1932,10 +1917,9 @@
           <a:lstStyle/>
           <a:p>
             <a:r>
-              <a:rPr lang="pt-BR" smtClean="0"/>
+              <a:rPr lang="pt-BR"/>
               <a:t>Clique para editar o título mestre</a:t>
             </a:r>
-            <a:endParaRPr lang="pt-BR"/>
           </a:p>
         </p:txBody>
       </p:sp>
@@ -1998,7 +1982,7 @@
           <a:p>
             <a:pPr lvl="0"/>
             <a:r>
-              <a:rPr lang="pt-BR" smtClean="0"/>
+              <a:rPr lang="pt-BR"/>
               <a:t>Clique para editar o texto mestre</a:t>
             </a:r>
           </a:p>
@@ -2026,38 +2010,37 @@
           <a:p>
             <a:pPr lvl="0"/>
             <a:r>
-              <a:rPr lang="pt-BR" smtClean="0"/>
+              <a:rPr lang="pt-BR"/>
               <a:t>Clique para editar o texto mestre</a:t>
             </a:r>
           </a:p>
           <a:p>
             <a:pPr lvl="1"/>
             <a:r>
-              <a:rPr lang="pt-BR" smtClean="0"/>
+              <a:rPr lang="pt-BR"/>
               <a:t>Segundo nível</a:t>
             </a:r>
           </a:p>
           <a:p>
             <a:pPr lvl="2"/>
             <a:r>
-              <a:rPr lang="pt-BR" smtClean="0"/>
+              <a:rPr lang="pt-BR"/>
               <a:t>Terceiro nível</a:t>
             </a:r>
           </a:p>
           <a:p>
             <a:pPr lvl="3"/>
             <a:r>
-              <a:rPr lang="pt-BR" smtClean="0"/>
+              <a:rPr lang="pt-BR"/>
               <a:t>Quarto nível</a:t>
             </a:r>
           </a:p>
           <a:p>
             <a:pPr lvl="4"/>
             <a:r>
-              <a:rPr lang="pt-BR" smtClean="0"/>
+              <a:rPr lang="pt-BR"/>
               <a:t>Quinto nível</a:t>
             </a:r>
-            <a:endParaRPr lang="pt-BR"/>
           </a:p>
         </p:txBody>
       </p:sp>
@@ -2120,7 +2103,7 @@
           <a:p>
             <a:pPr lvl="0"/>
             <a:r>
-              <a:rPr lang="pt-BR" smtClean="0"/>
+              <a:rPr lang="pt-BR"/>
               <a:t>Clique para editar o texto mestre</a:t>
             </a:r>
           </a:p>
@@ -2148,38 +2131,37 @@
           <a:p>
             <a:pPr lvl="0"/>
             <a:r>
-              <a:rPr lang="pt-BR" smtClean="0"/>
+              <a:rPr lang="pt-BR"/>
               <a:t>Clique para editar o texto mestre</a:t>
             </a:r>
           </a:p>
           <a:p>
             <a:pPr lvl="1"/>
             <a:r>
-              <a:rPr lang="pt-BR" smtClean="0"/>
+              <a:rPr lang="pt-BR"/>
               <a:t>Segundo nível</a:t>
             </a:r>
           </a:p>
           <a:p>
             <a:pPr lvl="2"/>
             <a:r>
-              <a:rPr lang="pt-BR" smtClean="0"/>
+              <a:rPr lang="pt-BR"/>
               <a:t>Terceiro nível</a:t>
             </a:r>
           </a:p>
           <a:p>
             <a:pPr lvl="3"/>
             <a:r>
-              <a:rPr lang="pt-BR" smtClean="0"/>
+              <a:rPr lang="pt-BR"/>
               <a:t>Quarto nível</a:t>
             </a:r>
           </a:p>
           <a:p>
             <a:pPr lvl="4"/>
             <a:r>
-              <a:rPr lang="pt-BR" smtClean="0"/>
+              <a:rPr lang="pt-BR"/>
               <a:t>Quinto nível</a:t>
             </a:r>
-            <a:endParaRPr lang="pt-BR"/>
           </a:p>
         </p:txBody>
       </p:sp>
@@ -2200,7 +2182,7 @@
           <a:p>
             <a:fld id="{A391F19D-0237-4420-9323-C2C60FF3DE5D}" type="datetimeFigureOut">
               <a:rPr lang="pt-BR" smtClean="0"/>
-              <a:t>30/10/2019</a:t>
+              <a:t>12/11/2019</a:t>
             </a:fld>
             <a:endParaRPr lang="pt-BR"/>
           </a:p>
@@ -2294,10 +2276,9 @@
           <a:lstStyle/>
           <a:p>
             <a:r>
-              <a:rPr lang="pt-BR" smtClean="0"/>
+              <a:rPr lang="pt-BR"/>
               <a:t>Clique para editar o título mestre</a:t>
             </a:r>
-            <a:endParaRPr lang="pt-BR"/>
           </a:p>
         </p:txBody>
       </p:sp>
@@ -2318,7 +2299,7 @@
           <a:p>
             <a:fld id="{A391F19D-0237-4420-9323-C2C60FF3DE5D}" type="datetimeFigureOut">
               <a:rPr lang="pt-BR" smtClean="0"/>
-              <a:t>30/10/2019</a:t>
+              <a:t>12/11/2019</a:t>
             </a:fld>
             <a:endParaRPr lang="pt-BR"/>
           </a:p>
@@ -2413,7 +2394,7 @@
           <a:p>
             <a:fld id="{A391F19D-0237-4420-9323-C2C60FF3DE5D}" type="datetimeFigureOut">
               <a:rPr lang="pt-BR" smtClean="0"/>
-              <a:t>30/10/2019</a:t>
+              <a:t>12/11/2019</a:t>
             </a:fld>
             <a:endParaRPr lang="pt-BR"/>
           </a:p>
@@ -2516,10 +2497,9 @@
           </a:lstStyle>
           <a:p>
             <a:r>
-              <a:rPr lang="pt-BR" smtClean="0"/>
+              <a:rPr lang="pt-BR"/>
               <a:t>Clique para editar o título mestre</a:t>
             </a:r>
-            <a:endParaRPr lang="pt-BR"/>
           </a:p>
         </p:txBody>
       </p:sp>
@@ -2573,38 +2553,37 @@
           <a:p>
             <a:pPr lvl="0"/>
             <a:r>
-              <a:rPr lang="pt-BR" smtClean="0"/>
+              <a:rPr lang="pt-BR"/>
               <a:t>Clique para editar o texto mestre</a:t>
             </a:r>
           </a:p>
           <a:p>
             <a:pPr lvl="1"/>
             <a:r>
-              <a:rPr lang="pt-BR" smtClean="0"/>
+              <a:rPr lang="pt-BR"/>
               <a:t>Segundo nível</a:t>
             </a:r>
           </a:p>
           <a:p>
             <a:pPr lvl="2"/>
             <a:r>
-              <a:rPr lang="pt-BR" smtClean="0"/>
+              <a:rPr lang="pt-BR"/>
               <a:t>Terceiro nível</a:t>
             </a:r>
           </a:p>
           <a:p>
             <a:pPr lvl="3"/>
             <a:r>
-              <a:rPr lang="pt-BR" smtClean="0"/>
+              <a:rPr lang="pt-BR"/>
               <a:t>Quarto nível</a:t>
             </a:r>
           </a:p>
           <a:p>
             <a:pPr lvl="4"/>
             <a:r>
-              <a:rPr lang="pt-BR" smtClean="0"/>
+              <a:rPr lang="pt-BR"/>
               <a:t>Quinto nível</a:t>
             </a:r>
-            <a:endParaRPr lang="pt-BR"/>
           </a:p>
         </p:txBody>
       </p:sp>
@@ -2667,7 +2646,7 @@
           <a:p>
             <a:pPr lvl="0"/>
             <a:r>
-              <a:rPr lang="pt-BR" smtClean="0"/>
+              <a:rPr lang="pt-BR"/>
               <a:t>Clique para editar o texto mestre</a:t>
             </a:r>
           </a:p>
@@ -2690,7 +2669,7 @@
           <a:p>
             <a:fld id="{A391F19D-0237-4420-9323-C2C60FF3DE5D}" type="datetimeFigureOut">
               <a:rPr lang="pt-BR" smtClean="0"/>
-              <a:t>30/10/2019</a:t>
+              <a:t>12/11/2019</a:t>
             </a:fld>
             <a:endParaRPr lang="pt-BR"/>
           </a:p>
@@ -2793,10 +2772,9 @@
           </a:lstStyle>
           <a:p>
             <a:r>
-              <a:rPr lang="pt-BR" smtClean="0"/>
+              <a:rPr lang="pt-BR"/>
               <a:t>Clique para editar o título mestre</a:t>
             </a:r>
-            <a:endParaRPr lang="pt-BR"/>
           </a:p>
         </p:txBody>
       </p:sp>
@@ -2920,7 +2898,7 @@
           <a:p>
             <a:pPr lvl="0"/>
             <a:r>
-              <a:rPr lang="pt-BR" smtClean="0"/>
+              <a:rPr lang="pt-BR"/>
               <a:t>Clique para editar o texto mestre</a:t>
             </a:r>
           </a:p>
@@ -2943,7 +2921,7 @@
           <a:p>
             <a:fld id="{A391F19D-0237-4420-9323-C2C60FF3DE5D}" type="datetimeFigureOut">
               <a:rPr lang="pt-BR" smtClean="0"/>
-              <a:t>30/10/2019</a:t>
+              <a:t>12/11/2019</a:t>
             </a:fld>
             <a:endParaRPr lang="pt-BR"/>
           </a:p>
@@ -3052,10 +3030,9 @@
           <a:lstStyle/>
           <a:p>
             <a:r>
-              <a:rPr lang="pt-BR" smtClean="0"/>
+              <a:rPr lang="pt-BR"/>
               <a:t>Clique para editar o título mestre</a:t>
             </a:r>
-            <a:endParaRPr lang="pt-BR"/>
           </a:p>
         </p:txBody>
       </p:sp>
@@ -3086,38 +3063,37 @@
           <a:p>
             <a:pPr lvl="0"/>
             <a:r>
-              <a:rPr lang="pt-BR" smtClean="0"/>
+              <a:rPr lang="pt-BR"/>
               <a:t>Clique para editar o texto mestre</a:t>
             </a:r>
           </a:p>
           <a:p>
             <a:pPr lvl="1"/>
             <a:r>
-              <a:rPr lang="pt-BR" smtClean="0"/>
+              <a:rPr lang="pt-BR"/>
               <a:t>Segundo nível</a:t>
             </a:r>
           </a:p>
           <a:p>
             <a:pPr lvl="2"/>
             <a:r>
-              <a:rPr lang="pt-BR" smtClean="0"/>
+              <a:rPr lang="pt-BR"/>
               <a:t>Terceiro nível</a:t>
             </a:r>
           </a:p>
           <a:p>
             <a:pPr lvl="3"/>
             <a:r>
-              <a:rPr lang="pt-BR" smtClean="0"/>
+              <a:rPr lang="pt-BR"/>
               <a:t>Quarto nível</a:t>
             </a:r>
           </a:p>
           <a:p>
             <a:pPr lvl="4"/>
             <a:r>
-              <a:rPr lang="pt-BR" smtClean="0"/>
+              <a:rPr lang="pt-BR"/>
               <a:t>Quinto nível</a:t>
             </a:r>
-            <a:endParaRPr lang="pt-BR"/>
           </a:p>
         </p:txBody>
       </p:sp>
@@ -3156,7 +3132,7 @@
           <a:p>
             <a:fld id="{A391F19D-0237-4420-9323-C2C60FF3DE5D}" type="datetimeFigureOut">
               <a:rPr lang="pt-BR" smtClean="0"/>
-              <a:t>30/10/2019</a:t>
+              <a:t>12/11/2019</a:t>
             </a:fld>
             <a:endParaRPr lang="pt-BR"/>
           </a:p>
@@ -3597,16 +3573,11 @@
             <a:pPr algn="ctr"/>
             <a:r>
               <a:rPr lang="pt-BR" dirty="0"/>
-              <a:t>D</a:t>
-            </a:r>
-            <a:r>
-              <a:rPr lang="pt-BR" dirty="0" smtClean="0"/>
-              <a:t>ificuldade </a:t>
-            </a:r>
-            <a:r>
-              <a:rPr lang="pt-BR" dirty="0"/>
-              <a:t>de entregar um serviço veicular no prazo</a:t>
-            </a:r>
+              <a:t>Gestão Empresarial</a:t>
+            </a:r>
+          </a:p>
+          <a:p>
+            <a:pPr algn="ctr"/>
             <a:endParaRPr lang="pt-BR" dirty="0"/>
           </a:p>
         </p:txBody>
@@ -3816,10 +3787,10 @@
           <a:bodyPr rtlCol="0" anchor="ctr"/>
           <a:lstStyle/>
           <a:p>
-            <a:pPr lvl="1"/>
+            <a:pPr algn="ctr"/>
             <a:r>
               <a:rPr lang="pt-BR" dirty="0"/>
-              <a:t>Orçamentos pedidos passados por papéis.</a:t>
+              <a:t>Dificuldade de entregar um serviço veicular no prazo</a:t>
             </a:r>
           </a:p>
         </p:txBody>
@@ -3847,14 +3818,14 @@
           <a:lstStyle/>
           <a:p>
             <a:r>
-              <a:rPr lang="en-US" sz="2000" dirty="0" smtClean="0">
+              <a:rPr lang="en-US" sz="2000" dirty="0">
                 <a:latin typeface="Arial" panose="020B0604020202020204" pitchFamily="34" charset="0"/>
                 <a:cs typeface="Arial" panose="020B0604020202020204" pitchFamily="34" charset="0"/>
               </a:rPr>
               <a:t>     </a:t>
             </a:r>
             <a:r>
-              <a:rPr lang="en-US" sz="2800" dirty="0" smtClean="0">
+              <a:rPr lang="en-US" sz="2800" dirty="0">
                 <a:latin typeface="Arial" panose="020B0604020202020204" pitchFamily="34" charset="0"/>
                 <a:cs typeface="Arial" panose="020B0604020202020204" pitchFamily="34" charset="0"/>
               </a:rPr>
@@ -3978,13 +3949,6 @@
   <p:clrMapOvr>
     <a:masterClrMapping/>
   </p:clrMapOvr>
-  <p:timing>
-    <p:tnLst>
-      <p:par>
-        <p:cTn id="1" dur="indefinite" restart="never" nodeType="tmRoot"/>
-      </p:par>
-    </p:tnLst>
-  </p:timing>
 </p:sld>
 </file>
 

--- a/Artefatos/08. Análise das Causas Raízes.pptx
+++ b/Artefatos/08. Análise das Causas Raízes.pptx
@@ -203,7 +203,7 @@
           <a:p>
             <a:fld id="{1E787215-59FC-439C-AFA3-EE4C4E5079EA}" type="datetimeFigureOut">
               <a:rPr lang="pt-BR" smtClean="0"/>
-              <a:t>12/11/2019</a:t>
+              <a:t>25/03/2020</a:t>
             </a:fld>
             <a:endParaRPr lang="pt-BR"/>
           </a:p>
@@ -372,7 +372,7 @@
           <a:p>
             <a:fld id="{EA848AF2-0F4D-4550-82ED-95ADA91FCEB1}" type="datetimeFigureOut">
               <a:rPr lang="pt-BR" smtClean="0"/>
-              <a:t>12/11/2019</a:t>
+              <a:t>25/03/2020</a:t>
             </a:fld>
             <a:endParaRPr lang="pt-BR"/>
           </a:p>
@@ -830,7 +830,7 @@
           <a:p>
             <a:fld id="{A391F19D-0237-4420-9323-C2C60FF3DE5D}" type="datetimeFigureOut">
               <a:rPr lang="pt-BR" smtClean="0"/>
-              <a:t>12/11/2019</a:t>
+              <a:t>25/03/2020</a:t>
             </a:fld>
             <a:endParaRPr lang="pt-BR"/>
           </a:p>
@@ -998,7 +998,7 @@
           <a:p>
             <a:fld id="{A391F19D-0237-4420-9323-C2C60FF3DE5D}" type="datetimeFigureOut">
               <a:rPr lang="pt-BR" smtClean="0"/>
-              <a:t>12/11/2019</a:t>
+              <a:t>25/03/2020</a:t>
             </a:fld>
             <a:endParaRPr lang="pt-BR"/>
           </a:p>
@@ -1176,7 +1176,7 @@
           <a:p>
             <a:fld id="{A391F19D-0237-4420-9323-C2C60FF3DE5D}" type="datetimeFigureOut">
               <a:rPr lang="pt-BR" smtClean="0"/>
-              <a:t>12/11/2019</a:t>
+              <a:t>25/03/2020</a:t>
             </a:fld>
             <a:endParaRPr lang="pt-BR"/>
           </a:p>
@@ -1344,7 +1344,7 @@
           <a:p>
             <a:fld id="{A391F19D-0237-4420-9323-C2C60FF3DE5D}" type="datetimeFigureOut">
               <a:rPr lang="pt-BR" smtClean="0"/>
-              <a:t>12/11/2019</a:t>
+              <a:t>25/03/2020</a:t>
             </a:fld>
             <a:endParaRPr lang="pt-BR"/>
           </a:p>
@@ -1589,7 +1589,7 @@
           <a:p>
             <a:fld id="{A391F19D-0237-4420-9323-C2C60FF3DE5D}" type="datetimeFigureOut">
               <a:rPr lang="pt-BR" smtClean="0"/>
-              <a:t>12/11/2019</a:t>
+              <a:t>25/03/2020</a:t>
             </a:fld>
             <a:endParaRPr lang="pt-BR"/>
           </a:p>
@@ -1818,7 +1818,7 @@
           <a:p>
             <a:fld id="{A391F19D-0237-4420-9323-C2C60FF3DE5D}" type="datetimeFigureOut">
               <a:rPr lang="pt-BR" smtClean="0"/>
-              <a:t>12/11/2019</a:t>
+              <a:t>25/03/2020</a:t>
             </a:fld>
             <a:endParaRPr lang="pt-BR"/>
           </a:p>
@@ -2182,7 +2182,7 @@
           <a:p>
             <a:fld id="{A391F19D-0237-4420-9323-C2C60FF3DE5D}" type="datetimeFigureOut">
               <a:rPr lang="pt-BR" smtClean="0"/>
-              <a:t>12/11/2019</a:t>
+              <a:t>25/03/2020</a:t>
             </a:fld>
             <a:endParaRPr lang="pt-BR"/>
           </a:p>
@@ -2299,7 +2299,7 @@
           <a:p>
             <a:fld id="{A391F19D-0237-4420-9323-C2C60FF3DE5D}" type="datetimeFigureOut">
               <a:rPr lang="pt-BR" smtClean="0"/>
-              <a:t>12/11/2019</a:t>
+              <a:t>25/03/2020</a:t>
             </a:fld>
             <a:endParaRPr lang="pt-BR"/>
           </a:p>
@@ -2394,7 +2394,7 @@
           <a:p>
             <a:fld id="{A391F19D-0237-4420-9323-C2C60FF3DE5D}" type="datetimeFigureOut">
               <a:rPr lang="pt-BR" smtClean="0"/>
-              <a:t>12/11/2019</a:t>
+              <a:t>25/03/2020</a:t>
             </a:fld>
             <a:endParaRPr lang="pt-BR"/>
           </a:p>
@@ -2669,7 +2669,7 @@
           <a:p>
             <a:fld id="{A391F19D-0237-4420-9323-C2C60FF3DE5D}" type="datetimeFigureOut">
               <a:rPr lang="pt-BR" smtClean="0"/>
-              <a:t>12/11/2019</a:t>
+              <a:t>25/03/2020</a:t>
             </a:fld>
             <a:endParaRPr lang="pt-BR"/>
           </a:p>
@@ -2921,7 +2921,7 @@
           <a:p>
             <a:fld id="{A391F19D-0237-4420-9323-C2C60FF3DE5D}" type="datetimeFigureOut">
               <a:rPr lang="pt-BR" smtClean="0"/>
-              <a:t>12/11/2019</a:t>
+              <a:t>25/03/2020</a:t>
             </a:fld>
             <a:endParaRPr lang="pt-BR"/>
           </a:p>
@@ -3132,7 +3132,7 @@
           <a:p>
             <a:fld id="{A391F19D-0237-4420-9323-C2C60FF3DE5D}" type="datetimeFigureOut">
               <a:rPr lang="pt-BR" smtClean="0"/>
-              <a:t>12/11/2019</a:t>
+              <a:t>25/03/2020</a:t>
             </a:fld>
             <a:endParaRPr lang="pt-BR"/>
           </a:p>
@@ -3572,9 +3572,14 @@
           <a:p>
             <a:pPr algn="ctr"/>
             <a:r>
-              <a:rPr lang="pt-BR" dirty="0"/>
-              <a:t>Gestão Empresarial</a:t>
-            </a:r>
+              <a:rPr lang="pt-BR" dirty="0" smtClean="0"/>
+              <a:t>Dificuldade de realizar a gestão </a:t>
+            </a:r>
+            <a:r>
+              <a:rPr lang="pt-BR" u="sng" dirty="0" smtClean="0"/>
+              <a:t>empresarial.</a:t>
+            </a:r>
+            <a:endParaRPr lang="pt-BR" u="sng" dirty="0"/>
           </a:p>
           <a:p>
             <a:pPr algn="ctr"/>
@@ -3647,9 +3652,10 @@
           <a:p>
             <a:pPr lvl="1"/>
             <a:r>
-              <a:rPr lang="pt-BR" dirty="0"/>
-              <a:t>Não tem controle completo de saída e entrada de dados, sejam eles, lucros e despesas.</a:t>
-            </a:r>
+              <a:rPr lang="pt-BR" dirty="0" smtClean="0"/>
+              <a:t>Falta de investimento na organização da empresa</a:t>
+            </a:r>
+            <a:endParaRPr lang="pt-BR" dirty="0"/>
           </a:p>
         </p:txBody>
       </p:sp>
@@ -3683,47 +3689,6 @@
           </a:fontRef>
         </p:style>
       </p:cxnSp>
-      <p:sp>
-        <p:nvSpPr>
-          <p:cNvPr id="28" name="Retângulo 27"/>
-          <p:cNvSpPr/>
-          <p:nvPr/>
-        </p:nvSpPr>
-        <p:spPr>
-          <a:xfrm>
-            <a:off x="548018" y="1528208"/>
-            <a:ext cx="2925721" cy="1362400"/>
-          </a:xfrm>
-          <a:prstGeom prst="rect">
-            <a:avLst/>
-          </a:prstGeom>
-        </p:spPr>
-        <p:style>
-          <a:lnRef idx="1">
-            <a:schemeClr val="dk1"/>
-          </a:lnRef>
-          <a:fillRef idx="2">
-            <a:schemeClr val="dk1"/>
-          </a:fillRef>
-          <a:effectRef idx="1">
-            <a:schemeClr val="dk1"/>
-          </a:effectRef>
-          <a:fontRef idx="minor">
-            <a:schemeClr val="dk1"/>
-          </a:fontRef>
-        </p:style>
-        <p:txBody>
-          <a:bodyPr rtlCol="0" anchor="ctr"/>
-          <a:lstStyle/>
-          <a:p>
-            <a:pPr lvl="1"/>
-            <a:r>
-              <a:rPr lang="pt-BR" dirty="0"/>
-              <a:t>Falta de controle ao horário de entrada, pausa para descanso e saída de funcionários. </a:t>
-            </a:r>
-          </a:p>
-        </p:txBody>
-      </p:sp>
       <p:cxnSp>
         <p:nvCxnSpPr>
           <p:cNvPr id="30" name="Conector reto 29"/>
@@ -3789,9 +3754,10 @@
           <a:p>
             <a:pPr algn="ctr"/>
             <a:r>
-              <a:rPr lang="pt-BR" dirty="0"/>
-              <a:t>Dificuldade de entregar um serviço veicular no prazo</a:t>
-            </a:r>
+              <a:rPr lang="pt-BR" dirty="0" smtClean="0"/>
+              <a:t>Falta de especialistas pra organizar a parte administrativa</a:t>
+            </a:r>
+            <a:endParaRPr lang="pt-BR" dirty="0"/>
           </a:p>
         </p:txBody>
       </p:sp>
@@ -3873,42 +3839,13 @@
           <a:p>
             <a:pPr lvl="1"/>
             <a:r>
-              <a:rPr lang="pt-BR" dirty="0"/>
-              <a:t>Ausência de segurança em relação a entrada e saída de veículos.</a:t>
-            </a:r>
-          </a:p>
-        </p:txBody>
-      </p:sp>
-      <p:cxnSp>
-        <p:nvCxnSpPr>
-          <p:cNvPr id="15" name="Conector reto 14"/>
-          <p:cNvCxnSpPr/>
-          <p:nvPr/>
-        </p:nvCxnSpPr>
-        <p:spPr>
-          <a:xfrm flipV="1">
-            <a:off x="1943499" y="2890608"/>
-            <a:ext cx="342501" cy="799607"/>
-          </a:xfrm>
-          <a:prstGeom prst="line">
-            <a:avLst/>
-          </a:prstGeom>
-        </p:spPr>
-        <p:style>
-          <a:lnRef idx="1">
-            <a:schemeClr val="dk1"/>
-          </a:lnRef>
-          <a:fillRef idx="0">
-            <a:schemeClr val="dk1"/>
-          </a:fillRef>
-          <a:effectRef idx="0">
-            <a:schemeClr val="dk1"/>
-          </a:effectRef>
-          <a:fontRef idx="minor">
-            <a:schemeClr val="tx1"/>
-          </a:fontRef>
-        </p:style>
-      </p:cxnSp>
+              <a:rPr lang="pt-BR" dirty="0" smtClean="0"/>
+              <a:t>Falta de processo definido</a:t>
+            </a:r>
+            <a:endParaRPr lang="pt-BR" dirty="0"/>
+          </a:p>
+        </p:txBody>
+      </p:sp>
       <p:cxnSp>
         <p:nvCxnSpPr>
           <p:cNvPr id="18" name="Conector reto 17"/>
